--- a/Turma Maio 2017/Aula 5/Aula de Excel 5.pptx
+++ b/Turma Maio 2017/Aula 5/Aula de Excel 5.pptx
@@ -5,13 +5,17 @@
     <p:sldMasterId id="2147483678" r:id="rId1"/>
   </p:sldMasterIdLst>
   <p:notesMasterIdLst>
-    <p:notesMasterId r:id="rId6"/>
+    <p:notesMasterId r:id="rId10"/>
   </p:notesMasterIdLst>
   <p:sldIdLst>
     <p:sldId id="256" r:id="rId2"/>
     <p:sldId id="258" r:id="rId3"/>
     <p:sldId id="261" r:id="rId4"/>
     <p:sldId id="262" r:id="rId5"/>
+    <p:sldId id="263" r:id="rId6"/>
+    <p:sldId id="265" r:id="rId7"/>
+    <p:sldId id="266" r:id="rId8"/>
+    <p:sldId id="264" r:id="rId9"/>
   </p:sldIdLst>
   <p:sldSz cx="12192000" cy="6858000"/>
   <p:notesSz cx="6858000" cy="9144000"/>
@@ -204,7 +208,7 @@
           <a:p>
             <a:fld id="{184BBF33-DD10-46B2-A0A7-44165F3356F0}" type="datetimeFigureOut">
               <a:rPr lang="pt-BR" smtClean="0"/>
-              <a:t>22/05/2017</a:t>
+              <a:t>25/05/2017</a:t>
             </a:fld>
             <a:endParaRPr lang="pt-BR"/>
           </a:p>
@@ -803,7 +807,7 @@
           <a:p>
             <a:fld id="{11612DAF-FD73-4975-A585-30AE5A550125}" type="datetimeFigureOut">
               <a:rPr lang="pt-BR" smtClean="0"/>
-              <a:t>22/05/2017</a:t>
+              <a:t>25/05/2017</a:t>
             </a:fld>
             <a:endParaRPr lang="pt-BR"/>
           </a:p>
@@ -861,13 +865,13 @@
   <p:clrMapOvr>
     <a:masterClrMapping/>
   </p:clrMapOvr>
-  <mc:AlternateContent xmlns:mc="http://schemas.openxmlformats.org/markup-compatibility/2006">
-    <mc:Choice xmlns:p159="http://schemas.microsoft.com/office/powerpoint/2015/09/main" Requires="p159">
+  <mc:AlternateContent xmlns:mc="http://schemas.openxmlformats.org/markup-compatibility/2006" xmlns:p159="http://schemas.microsoft.com/office/powerpoint/2015/09/main">
+    <mc:Choice Requires="p159">
       <p:transition xmlns:p14="http://schemas.microsoft.com/office/powerpoint/2010/main" spd="slow" p14:dur="2000">
         <p159:morph option="byObject"/>
       </p:transition>
     </mc:Choice>
-    <mc:Fallback>
+    <mc:Fallback xmlns="">
       <p:transition spd="slow">
         <p:fade/>
       </p:transition>
@@ -983,7 +987,7 @@
           <a:p>
             <a:fld id="{11612DAF-FD73-4975-A585-30AE5A550125}" type="datetimeFigureOut">
               <a:rPr lang="pt-BR" smtClean="0"/>
-              <a:t>22/05/2017</a:t>
+              <a:t>25/05/2017</a:t>
             </a:fld>
             <a:endParaRPr lang="pt-BR"/>
           </a:p>
@@ -1041,13 +1045,13 @@
   <p:clrMapOvr>
     <a:masterClrMapping/>
   </p:clrMapOvr>
-  <mc:AlternateContent xmlns:mc="http://schemas.openxmlformats.org/markup-compatibility/2006">
-    <mc:Choice xmlns:p159="http://schemas.microsoft.com/office/powerpoint/2015/09/main" Requires="p159">
+  <mc:AlternateContent xmlns:mc="http://schemas.openxmlformats.org/markup-compatibility/2006" xmlns:p159="http://schemas.microsoft.com/office/powerpoint/2015/09/main">
+    <mc:Choice Requires="p159">
       <p:transition xmlns:p14="http://schemas.microsoft.com/office/powerpoint/2010/main" spd="slow" p14:dur="2000">
         <p159:morph option="byObject"/>
       </p:transition>
     </mc:Choice>
-    <mc:Fallback>
+    <mc:Fallback xmlns="">
       <p:transition spd="slow">
         <p:fade/>
       </p:transition>
@@ -1173,7 +1177,7 @@
           <a:p>
             <a:fld id="{11612DAF-FD73-4975-A585-30AE5A550125}" type="datetimeFigureOut">
               <a:rPr lang="pt-BR" smtClean="0"/>
-              <a:t>22/05/2017</a:t>
+              <a:t>25/05/2017</a:t>
             </a:fld>
             <a:endParaRPr lang="pt-BR"/>
           </a:p>
@@ -1231,13 +1235,13 @@
   <p:clrMapOvr>
     <a:masterClrMapping/>
   </p:clrMapOvr>
-  <mc:AlternateContent xmlns:mc="http://schemas.openxmlformats.org/markup-compatibility/2006">
-    <mc:Choice xmlns:p159="http://schemas.microsoft.com/office/powerpoint/2015/09/main" Requires="p159">
+  <mc:AlternateContent xmlns:mc="http://schemas.openxmlformats.org/markup-compatibility/2006" xmlns:p159="http://schemas.microsoft.com/office/powerpoint/2015/09/main">
+    <mc:Choice Requires="p159">
       <p:transition xmlns:p14="http://schemas.microsoft.com/office/powerpoint/2010/main" spd="slow" p14:dur="2000">
         <p159:morph option="byObject"/>
       </p:transition>
     </mc:Choice>
-    <mc:Fallback>
+    <mc:Fallback xmlns="">
       <p:transition spd="slow">
         <p:fade/>
       </p:transition>
@@ -1353,7 +1357,7 @@
           <a:p>
             <a:fld id="{11612DAF-FD73-4975-A585-30AE5A550125}" type="datetimeFigureOut">
               <a:rPr lang="pt-BR" smtClean="0"/>
-              <a:t>22/05/2017</a:t>
+              <a:t>25/05/2017</a:t>
             </a:fld>
             <a:endParaRPr lang="pt-BR"/>
           </a:p>
@@ -1411,13 +1415,13 @@
   <p:clrMapOvr>
     <a:masterClrMapping/>
   </p:clrMapOvr>
-  <mc:AlternateContent xmlns:mc="http://schemas.openxmlformats.org/markup-compatibility/2006">
-    <mc:Choice xmlns:p159="http://schemas.microsoft.com/office/powerpoint/2015/09/main" Requires="p159">
+  <mc:AlternateContent xmlns:mc="http://schemas.openxmlformats.org/markup-compatibility/2006" xmlns:p159="http://schemas.microsoft.com/office/powerpoint/2015/09/main">
+    <mc:Choice Requires="p159">
       <p:transition xmlns:p14="http://schemas.microsoft.com/office/powerpoint/2010/main" spd="slow" p14:dur="2000">
         <p159:morph option="byObject"/>
       </p:transition>
     </mc:Choice>
-    <mc:Fallback>
+    <mc:Fallback xmlns="">
       <p:transition spd="slow">
         <p:fade/>
       </p:transition>
@@ -1610,7 +1614,7 @@
           <a:p>
             <a:fld id="{11612DAF-FD73-4975-A585-30AE5A550125}" type="datetimeFigureOut">
               <a:rPr lang="pt-BR" smtClean="0"/>
-              <a:t>22/05/2017</a:t>
+              <a:t>25/05/2017</a:t>
             </a:fld>
             <a:endParaRPr lang="pt-BR"/>
           </a:p>
@@ -1668,13 +1672,13 @@
   <p:clrMapOvr>
     <a:masterClrMapping/>
   </p:clrMapOvr>
-  <mc:AlternateContent xmlns:mc="http://schemas.openxmlformats.org/markup-compatibility/2006">
-    <mc:Choice xmlns:p159="http://schemas.microsoft.com/office/powerpoint/2015/09/main" Requires="p159">
+  <mc:AlternateContent xmlns:mc="http://schemas.openxmlformats.org/markup-compatibility/2006" xmlns:p159="http://schemas.microsoft.com/office/powerpoint/2015/09/main">
+    <mc:Choice Requires="p159">
       <p:transition xmlns:p14="http://schemas.microsoft.com/office/powerpoint/2010/main" spd="slow" p14:dur="2000">
         <p159:morph option="byObject"/>
       </p:transition>
     </mc:Choice>
-    <mc:Fallback>
+    <mc:Fallback xmlns="">
       <p:transition spd="slow">
         <p:fade/>
       </p:transition>
@@ -1907,7 +1911,7 @@
           <a:p>
             <a:fld id="{11612DAF-FD73-4975-A585-30AE5A550125}" type="datetimeFigureOut">
               <a:rPr lang="pt-BR" smtClean="0"/>
-              <a:t>22/05/2017</a:t>
+              <a:t>25/05/2017</a:t>
             </a:fld>
             <a:endParaRPr lang="pt-BR"/>
           </a:p>
@@ -1965,13 +1969,13 @@
   <p:clrMapOvr>
     <a:masterClrMapping/>
   </p:clrMapOvr>
-  <mc:AlternateContent xmlns:mc="http://schemas.openxmlformats.org/markup-compatibility/2006">
-    <mc:Choice xmlns:p159="http://schemas.microsoft.com/office/powerpoint/2015/09/main" Requires="p159">
+  <mc:AlternateContent xmlns:mc="http://schemas.openxmlformats.org/markup-compatibility/2006" xmlns:p159="http://schemas.microsoft.com/office/powerpoint/2015/09/main">
+    <mc:Choice Requires="p159">
       <p:transition xmlns:p14="http://schemas.microsoft.com/office/powerpoint/2010/main" spd="slow" p14:dur="2000">
         <p159:morph option="byObject"/>
       </p:transition>
     </mc:Choice>
-    <mc:Fallback>
+    <mc:Fallback xmlns="">
       <p:transition spd="slow">
         <p:fade/>
       </p:transition>
@@ -2343,7 +2347,7 @@
           <a:p>
             <a:fld id="{11612DAF-FD73-4975-A585-30AE5A550125}" type="datetimeFigureOut">
               <a:rPr lang="pt-BR" smtClean="0"/>
-              <a:t>22/05/2017</a:t>
+              <a:t>25/05/2017</a:t>
             </a:fld>
             <a:endParaRPr lang="pt-BR"/>
           </a:p>
@@ -2401,13 +2405,13 @@
   <p:clrMapOvr>
     <a:masterClrMapping/>
   </p:clrMapOvr>
-  <mc:AlternateContent xmlns:mc="http://schemas.openxmlformats.org/markup-compatibility/2006">
-    <mc:Choice xmlns:p159="http://schemas.microsoft.com/office/powerpoint/2015/09/main" Requires="p159">
+  <mc:AlternateContent xmlns:mc="http://schemas.openxmlformats.org/markup-compatibility/2006" xmlns:p159="http://schemas.microsoft.com/office/powerpoint/2015/09/main">
+    <mc:Choice Requires="p159">
       <p:transition xmlns:p14="http://schemas.microsoft.com/office/powerpoint/2010/main" spd="slow" p14:dur="2000">
         <p159:morph option="byObject"/>
       </p:transition>
     </mc:Choice>
-    <mc:Fallback>
+    <mc:Fallback xmlns="">
       <p:transition spd="slow">
         <p:fade/>
       </p:transition>
@@ -2472,7 +2476,7 @@
           <a:p>
             <a:fld id="{11612DAF-FD73-4975-A585-30AE5A550125}" type="datetimeFigureOut">
               <a:rPr lang="pt-BR" smtClean="0"/>
-              <a:t>22/05/2017</a:t>
+              <a:t>25/05/2017</a:t>
             </a:fld>
             <a:endParaRPr lang="pt-BR"/>
           </a:p>
@@ -2530,13 +2534,13 @@
   <p:clrMapOvr>
     <a:masterClrMapping/>
   </p:clrMapOvr>
-  <mc:AlternateContent xmlns:mc="http://schemas.openxmlformats.org/markup-compatibility/2006">
-    <mc:Choice xmlns:p159="http://schemas.microsoft.com/office/powerpoint/2015/09/main" Requires="p159">
+  <mc:AlternateContent xmlns:mc="http://schemas.openxmlformats.org/markup-compatibility/2006" xmlns:p159="http://schemas.microsoft.com/office/powerpoint/2015/09/main">
+    <mc:Choice Requires="p159">
       <p:transition xmlns:p14="http://schemas.microsoft.com/office/powerpoint/2010/main" spd="slow" p14:dur="2000">
         <p159:morph option="byObject"/>
       </p:transition>
     </mc:Choice>
-    <mc:Fallback>
+    <mc:Fallback xmlns="">
       <p:transition spd="slow">
         <p:fade/>
       </p:transition>
@@ -2579,7 +2583,7 @@
           <a:p>
             <a:fld id="{11612DAF-FD73-4975-A585-30AE5A550125}" type="datetimeFigureOut">
               <a:rPr lang="pt-BR" smtClean="0"/>
-              <a:t>22/05/2017</a:t>
+              <a:t>25/05/2017</a:t>
             </a:fld>
             <a:endParaRPr lang="pt-BR"/>
           </a:p>
@@ -2637,13 +2641,13 @@
   <p:clrMapOvr>
     <a:masterClrMapping/>
   </p:clrMapOvr>
-  <mc:AlternateContent xmlns:mc="http://schemas.openxmlformats.org/markup-compatibility/2006">
-    <mc:Choice xmlns:p159="http://schemas.microsoft.com/office/powerpoint/2015/09/main" Requires="p159">
+  <mc:AlternateContent xmlns:mc="http://schemas.openxmlformats.org/markup-compatibility/2006" xmlns:p159="http://schemas.microsoft.com/office/powerpoint/2015/09/main">
+    <mc:Choice Requires="p159">
       <p:transition xmlns:p14="http://schemas.microsoft.com/office/powerpoint/2010/main" spd="slow" p14:dur="2000">
         <p159:morph option="byObject"/>
       </p:transition>
     </mc:Choice>
-    <mc:Fallback>
+    <mc:Fallback xmlns="">
       <p:transition spd="slow">
         <p:fade/>
       </p:transition>
@@ -2866,7 +2870,7 @@
           <a:p>
             <a:fld id="{11612DAF-FD73-4975-A585-30AE5A550125}" type="datetimeFigureOut">
               <a:rPr lang="pt-BR" smtClean="0"/>
-              <a:t>22/05/2017</a:t>
+              <a:t>25/05/2017</a:t>
             </a:fld>
             <a:endParaRPr lang="pt-BR"/>
           </a:p>
@@ -2924,13 +2928,13 @@
   <p:clrMapOvr>
     <a:masterClrMapping/>
   </p:clrMapOvr>
-  <mc:AlternateContent xmlns:mc="http://schemas.openxmlformats.org/markup-compatibility/2006">
-    <mc:Choice xmlns:p159="http://schemas.microsoft.com/office/powerpoint/2015/09/main" Requires="p159">
+  <mc:AlternateContent xmlns:mc="http://schemas.openxmlformats.org/markup-compatibility/2006" xmlns:p159="http://schemas.microsoft.com/office/powerpoint/2015/09/main">
+    <mc:Choice Requires="p159">
       <p:transition xmlns:p14="http://schemas.microsoft.com/office/powerpoint/2010/main" spd="slow" p14:dur="2000">
         <p159:morph option="byObject"/>
       </p:transition>
     </mc:Choice>
-    <mc:Fallback>
+    <mc:Fallback xmlns="">
       <p:transition spd="slow">
         <p:fade/>
       </p:transition>
@@ -3133,7 +3137,7 @@
           <a:p>
             <a:fld id="{11612DAF-FD73-4975-A585-30AE5A550125}" type="datetimeFigureOut">
               <a:rPr lang="pt-BR" smtClean="0"/>
-              <a:t>22/05/2017</a:t>
+              <a:t>25/05/2017</a:t>
             </a:fld>
             <a:endParaRPr lang="pt-BR"/>
           </a:p>
@@ -3191,13 +3195,13 @@
   <p:clrMapOvr>
     <a:masterClrMapping/>
   </p:clrMapOvr>
-  <mc:AlternateContent xmlns:mc="http://schemas.openxmlformats.org/markup-compatibility/2006">
-    <mc:Choice xmlns:p159="http://schemas.microsoft.com/office/powerpoint/2015/09/main" Requires="p159">
+  <mc:AlternateContent xmlns:mc="http://schemas.openxmlformats.org/markup-compatibility/2006" xmlns:p159="http://schemas.microsoft.com/office/powerpoint/2015/09/main">
+    <mc:Choice Requires="p159">
       <p:transition xmlns:p14="http://schemas.microsoft.com/office/powerpoint/2010/main" spd="slow" p14:dur="2000">
         <p159:morph option="byObject"/>
       </p:transition>
     </mc:Choice>
-    <mc:Fallback>
+    <mc:Fallback xmlns="">
       <p:transition spd="slow">
         <p:fade/>
       </p:transition>
@@ -3356,7 +3360,7 @@
           <a:p>
             <a:fld id="{11612DAF-FD73-4975-A585-30AE5A550125}" type="datetimeFigureOut">
               <a:rPr lang="pt-BR" smtClean="0"/>
-              <a:t>22/05/2017</a:t>
+              <a:t>25/05/2017</a:t>
             </a:fld>
             <a:endParaRPr lang="pt-BR"/>
           </a:p>
@@ -3461,13 +3465,13 @@
     <p:sldLayoutId id="2147483688" r:id="rId10"/>
     <p:sldLayoutId id="2147483689" r:id="rId11"/>
   </p:sldLayoutIdLst>
-  <mc:AlternateContent xmlns:mc="http://schemas.openxmlformats.org/markup-compatibility/2006">
-    <mc:Choice xmlns:p159="http://schemas.microsoft.com/office/powerpoint/2015/09/main" Requires="p159">
+  <mc:AlternateContent xmlns:mc="http://schemas.openxmlformats.org/markup-compatibility/2006" xmlns:p159="http://schemas.microsoft.com/office/powerpoint/2015/09/main">
+    <mc:Choice Requires="p159">
       <p:transition xmlns:p14="http://schemas.microsoft.com/office/powerpoint/2010/main" spd="slow" p14:dur="2000">
         <p159:morph option="byObject"/>
       </p:transition>
     </mc:Choice>
-    <mc:Fallback>
+    <mc:Fallback xmlns="">
       <p:transition spd="slow">
         <p:fade/>
       </p:transition>
@@ -4029,13 +4033,13 @@
   <p:clrMapOvr>
     <a:masterClrMapping/>
   </p:clrMapOvr>
-  <mc:AlternateContent xmlns:mc="http://schemas.openxmlformats.org/markup-compatibility/2006">
-    <mc:Choice xmlns:p159="http://schemas.microsoft.com/office/powerpoint/2015/09/main" Requires="p159">
+  <mc:AlternateContent xmlns:mc="http://schemas.openxmlformats.org/markup-compatibility/2006" xmlns:p159="http://schemas.microsoft.com/office/powerpoint/2015/09/main">
+    <mc:Choice Requires="p159">
       <p:transition xmlns:p14="http://schemas.microsoft.com/office/powerpoint/2010/main" spd="slow" p14:dur="2000">
         <p159:morph option="byObject"/>
       </p:transition>
     </mc:Choice>
-    <mc:Fallback>
+    <mc:Fallback xmlns="">
       <p:transition spd="slow">
         <p:fade/>
       </p:transition>
@@ -4188,8 +4192,8 @@
         </p:nvSpPr>
         <p:spPr>
           <a:xfrm>
-            <a:off x="509583" y="2355061"/>
-            <a:ext cx="10516380" cy="3688552"/>
+            <a:off x="509583" y="1837326"/>
+            <a:ext cx="10516380" cy="4206287"/>
           </a:xfrm>
           <a:prstGeom prst="rect">
             <a:avLst/>
@@ -4307,7 +4311,23 @@
                 <a:latin typeface="Arial" panose="020B0604020202020204" pitchFamily="34" charset="0"/>
                 <a:cs typeface="Arial" panose="020B0604020202020204" pitchFamily="34" charset="0"/>
               </a:rPr>
-              <a:t>???;</a:t>
+              <a:t>Nomear intervalo;</a:t>
+            </a:r>
+          </a:p>
+          <a:p>
+            <a:pPr marL="1143000" indent="-1143000" algn="l">
+              <a:buFont typeface="Arial" panose="020B0604020202020204" pitchFamily="34" charset="0"/>
+              <a:buChar char="•"/>
+            </a:pPr>
+            <a:r>
+              <a:rPr lang="pt-BR" sz="4800" dirty="0">
+                <a:solidFill>
+                  <a:srgbClr val="255EA9"/>
+                </a:solidFill>
+                <a:latin typeface="Arial" panose="020B0604020202020204" pitchFamily="34" charset="0"/>
+                <a:cs typeface="Arial" panose="020B0604020202020204" pitchFamily="34" charset="0"/>
+              </a:rPr>
+              <a:t>Funções texto</a:t>
             </a:r>
           </a:p>
           <a:p>
@@ -4438,13 +4458,13 @@
   <p:clrMapOvr>
     <a:masterClrMapping/>
   </p:clrMapOvr>
-  <mc:AlternateContent xmlns:mc="http://schemas.openxmlformats.org/markup-compatibility/2006">
-    <mc:Choice xmlns:p159="http://schemas.microsoft.com/office/powerpoint/2015/09/main" Requires="p159">
+  <mc:AlternateContent xmlns:mc="http://schemas.openxmlformats.org/markup-compatibility/2006" xmlns:p159="http://schemas.microsoft.com/office/powerpoint/2015/09/main">
+    <mc:Choice Requires="p159">
       <p:transition xmlns:p14="http://schemas.microsoft.com/office/powerpoint/2010/main" spd="slow" p14:dur="2000">
         <p159:morph option="byObject"/>
       </p:transition>
     </mc:Choice>
-    <mc:Fallback>
+    <mc:Fallback xmlns="">
       <p:transition spd="slow">
         <p:fade/>
       </p:transition>
@@ -5413,13 +5433,13 @@
   <p:clrMapOvr>
     <a:masterClrMapping/>
   </p:clrMapOvr>
-  <mc:AlternateContent xmlns:mc="http://schemas.openxmlformats.org/markup-compatibility/2006">
-    <mc:Choice xmlns:p159="http://schemas.microsoft.com/office/powerpoint/2015/09/main" Requires="p159">
+  <mc:AlternateContent xmlns:mc="http://schemas.openxmlformats.org/markup-compatibility/2006" xmlns:p159="http://schemas.microsoft.com/office/powerpoint/2015/09/main">
+    <mc:Choice Requires="p159">
       <p:transition xmlns:p14="http://schemas.microsoft.com/office/powerpoint/2010/main" spd="slow" p14:dur="2000">
         <p159:morph option="byObject"/>
       </p:transition>
     </mc:Choice>
-    <mc:Fallback>
+    <mc:Fallback xmlns="">
       <p:transition spd="slow">
         <p:fade/>
       </p:transition>
@@ -6550,13 +6570,13 @@
   <p:clrMapOvr>
     <a:masterClrMapping/>
   </p:clrMapOvr>
-  <mc:AlternateContent xmlns:mc="http://schemas.openxmlformats.org/markup-compatibility/2006">
-    <mc:Choice xmlns:p159="http://schemas.microsoft.com/office/powerpoint/2015/09/main" Requires="p159">
+  <mc:AlternateContent xmlns:mc="http://schemas.openxmlformats.org/markup-compatibility/2006" xmlns:p159="http://schemas.microsoft.com/office/powerpoint/2015/09/main">
+    <mc:Choice Requires="p159">
       <p:transition xmlns:p14="http://schemas.microsoft.com/office/powerpoint/2010/main" spd="slow" p14:dur="2000">
         <p159:morph option="byObject"/>
       </p:transition>
     </mc:Choice>
-    <mc:Fallback>
+    <mc:Fallback xmlns="">
       <p:transition spd="slow">
         <p:fade/>
       </p:transition>
@@ -6645,6 +6665,1564 @@
       </p:par>
     </p:tnLst>
   </p:timing>
+</p:sld>
+</file>
+
+<file path=ppt/slides/slide5.xml><?xml version="1.0" encoding="utf-8"?>
+<p:sld xmlns:a="http://schemas.openxmlformats.org/drawingml/2006/main" xmlns:r="http://schemas.openxmlformats.org/officeDocument/2006/relationships" xmlns:p="http://schemas.openxmlformats.org/presentationml/2006/main">
+  <p:cSld>
+    <p:spTree>
+      <p:nvGrpSpPr>
+        <p:cNvPr id="1" name=""/>
+        <p:cNvGrpSpPr/>
+        <p:nvPr/>
+      </p:nvGrpSpPr>
+      <p:grpSpPr>
+        <a:xfrm>
+          <a:off x="0" y="0"/>
+          <a:ext cx="0" cy="0"/>
+          <a:chOff x="0" y="0"/>
+          <a:chExt cx="0" cy="0"/>
+        </a:xfrm>
+      </p:grpSpPr>
+      <p:sp>
+        <p:nvSpPr>
+          <p:cNvPr id="6" name="Retângulo 5"/>
+          <p:cNvSpPr/>
+          <p:nvPr/>
+        </p:nvSpPr>
+        <p:spPr>
+          <a:xfrm flipH="1">
+            <a:off x="-4763" y="165794"/>
+            <a:ext cx="12192000" cy="1309753"/>
+          </a:xfrm>
+          <a:prstGeom prst="rect">
+            <a:avLst/>
+          </a:prstGeom>
+          <a:solidFill>
+            <a:srgbClr val="DC474B"/>
+          </a:solidFill>
+          <a:ln>
+            <a:noFill/>
+          </a:ln>
+          <a:effectLst>
+            <a:glow>
+              <a:schemeClr val="accent1"/>
+            </a:glow>
+          </a:effectLst>
+        </p:spPr>
+        <p:style>
+          <a:lnRef idx="2">
+            <a:schemeClr val="accent1">
+              <a:shade val="50000"/>
+            </a:schemeClr>
+          </a:lnRef>
+          <a:fillRef idx="1">
+            <a:schemeClr val="accent1"/>
+          </a:fillRef>
+          <a:effectRef idx="0">
+            <a:schemeClr val="accent1"/>
+          </a:effectRef>
+          <a:fontRef idx="minor">
+            <a:schemeClr val="lt1"/>
+          </a:fontRef>
+        </p:style>
+        <p:txBody>
+          <a:bodyPr rtlCol="0" anchor="ctr"/>
+          <a:lstStyle/>
+          <a:p>
+            <a:pPr algn="ctr"/>
+            <a:endParaRPr lang="pt-BR"/>
+          </a:p>
+        </p:txBody>
+      </p:sp>
+      <p:sp>
+        <p:nvSpPr>
+          <p:cNvPr id="2" name="Título 1"/>
+          <p:cNvSpPr>
+            <a:spLocks noGrp="1"/>
+          </p:cNvSpPr>
+          <p:nvPr>
+            <p:ph type="ctrTitle"/>
+          </p:nvPr>
+        </p:nvSpPr>
+        <p:spPr>
+          <a:xfrm>
+            <a:off x="-4764" y="80449"/>
+            <a:ext cx="8853342" cy="1223237"/>
+          </a:xfrm>
+          <a:ln>
+            <a:noFill/>
+          </a:ln>
+          <a:effectLst>
+            <a:outerShdw blurRad="44450" dist="27940" dir="5400000" algn="ctr">
+              <a:schemeClr val="tx1">
+                <a:alpha val="32000"/>
+              </a:schemeClr>
+            </a:outerShdw>
+          </a:effectLst>
+          <a:scene3d>
+            <a:camera prst="orthographicFront">
+              <a:rot lat="0" lon="0" rev="0"/>
+            </a:camera>
+            <a:lightRig rig="balanced" dir="t">
+              <a:rot lat="0" lon="0" rev="8700000"/>
+            </a:lightRig>
+          </a:scene3d>
+          <a:sp3d>
+            <a:bevelT w="190500" h="38100"/>
+          </a:sp3d>
+        </p:spPr>
+        <p:txBody>
+          <a:bodyPr>
+            <a:noAutofit/>
+          </a:bodyPr>
+          <a:lstStyle/>
+          <a:p>
+            <a:pPr algn="l"/>
+            <a:r>
+              <a:rPr lang="pt-BR" sz="8000" dirty="0">
+                <a:solidFill>
+                  <a:schemeClr val="bg1"/>
+                </a:solidFill>
+                <a:latin typeface="Arial" panose="020B0604020202020204" pitchFamily="34" charset="0"/>
+                <a:cs typeface="Arial" panose="020B0604020202020204" pitchFamily="34" charset="0"/>
+              </a:rPr>
+              <a:t>Listas Suspensas</a:t>
+            </a:r>
+            <a:r>
+              <a:rPr lang="pt-BR" sz="9600" dirty="0">
+                <a:solidFill>
+                  <a:schemeClr val="bg1"/>
+                </a:solidFill>
+                <a:latin typeface="Arial" panose="020B0604020202020204" pitchFamily="34" charset="0"/>
+                <a:cs typeface="Arial" panose="020B0604020202020204" pitchFamily="34" charset="0"/>
+              </a:rPr>
+              <a:t>:</a:t>
+            </a:r>
+          </a:p>
+        </p:txBody>
+      </p:sp>
+      <p:grpSp>
+        <p:nvGrpSpPr>
+          <p:cNvPr id="3" name="Grupo 2"/>
+          <p:cNvGrpSpPr/>
+          <p:nvPr/>
+        </p:nvGrpSpPr>
+        <p:grpSpPr>
+          <a:xfrm>
+            <a:off x="9009915" y="332447"/>
+            <a:ext cx="3182085" cy="978406"/>
+            <a:chOff x="9009915" y="332447"/>
+            <a:chExt cx="3182085" cy="978406"/>
+          </a:xfrm>
+        </p:grpSpPr>
+        <p:pic>
+          <p:nvPicPr>
+            <p:cNvPr id="1026" name="Picture 2" descr="http://www.ccbeusorocaba.com.br/wp-content/uploads/2014/10/logo-site.png"/>
+            <p:cNvPicPr>
+              <a:picLocks noChangeAspect="1" noChangeArrowheads="1"/>
+            </p:cNvPicPr>
+            <p:nvPr/>
+          </p:nvPicPr>
+          <p:blipFill rotWithShape="1">
+            <a:blip r:embed="rId2">
+              <a:biLevel thresh="25000"/>
+              <a:extLst>
+                <a:ext uri="{28A0092B-C50C-407E-A947-70E740481C1C}">
+                  <a14:useLocalDpi xmlns:a14="http://schemas.microsoft.com/office/drawing/2010/main" val="0"/>
+                </a:ext>
+              </a:extLst>
+            </a:blip>
+            <a:srcRect b="22842"/>
+            <a:stretch/>
+          </p:blipFill>
+          <p:spPr bwMode="auto">
+            <a:xfrm>
+              <a:off x="9009915" y="332447"/>
+              <a:ext cx="3177322" cy="753404"/>
+            </a:xfrm>
+            <a:prstGeom prst="rect">
+              <a:avLst/>
+            </a:prstGeom>
+            <a:noFill/>
+            <a:effectLst/>
+            <a:extLst>
+              <a:ext uri="{909E8E84-426E-40DD-AFC4-6F175D3DCCD1}">
+                <a14:hiddenFill xmlns:a14="http://schemas.microsoft.com/office/drawing/2010/main">
+                  <a:solidFill>
+                    <a:srgbClr val="FFFFFF"/>
+                  </a:solidFill>
+                </a14:hiddenFill>
+              </a:ext>
+            </a:extLst>
+          </p:spPr>
+        </p:pic>
+        <p:pic>
+          <p:nvPicPr>
+            <p:cNvPr id="8" name="Picture 2" descr="http://www.ccbeusorocaba.com.br/wp-content/uploads/2014/10/logo-site.png"/>
+            <p:cNvPicPr>
+              <a:picLocks noChangeAspect="1" noChangeArrowheads="1"/>
+            </p:cNvPicPr>
+            <p:nvPr/>
+          </p:nvPicPr>
+          <p:blipFill rotWithShape="1">
+            <a:blip r:embed="rId3">
+              <a:biLevel thresh="25000"/>
+              <a:extLst>
+                <a:ext uri="{BEBA8EAE-BF5A-486C-A8C5-ECC9F3942E4B}">
+                  <a14:imgProps xmlns:a14="http://schemas.microsoft.com/office/drawing/2010/main">
+                    <a14:imgLayer r:embed="rId4">
+                      <a14:imgEffect>
+                        <a14:brightnessContrast bright="20000" contrast="-40000"/>
+                      </a14:imgEffect>
+                    </a14:imgLayer>
+                  </a14:imgProps>
+                </a:ext>
+                <a:ext uri="{28A0092B-C50C-407E-A947-70E740481C1C}">
+                  <a14:useLocalDpi xmlns:a14="http://schemas.microsoft.com/office/drawing/2010/main" val="0"/>
+                </a:ext>
+              </a:extLst>
+            </a:blip>
+            <a:srcRect t="76760"/>
+            <a:stretch/>
+          </p:blipFill>
+          <p:spPr bwMode="auto">
+            <a:xfrm>
+              <a:off x="9014678" y="1083922"/>
+              <a:ext cx="3177322" cy="226931"/>
+            </a:xfrm>
+            <a:prstGeom prst="rect">
+              <a:avLst/>
+            </a:prstGeom>
+            <a:noFill/>
+            <a:effectLst/>
+            <a:extLst>
+              <a:ext uri="{909E8E84-426E-40DD-AFC4-6F175D3DCCD1}">
+                <a14:hiddenFill xmlns:a14="http://schemas.microsoft.com/office/drawing/2010/main">
+                  <a:solidFill>
+                    <a:srgbClr val="FFFFFF"/>
+                  </a:solidFill>
+                </a14:hiddenFill>
+              </a:ext>
+            </a:extLst>
+          </p:spPr>
+        </p:pic>
+      </p:grpSp>
+      <p:pic>
+        <p:nvPicPr>
+          <p:cNvPr id="5" name="Picture 2" descr="Resultado de imagem para listas suspensas dependentes"/>
+          <p:cNvPicPr>
+            <a:picLocks noChangeAspect="1" noChangeArrowheads="1"/>
+          </p:cNvPicPr>
+          <p:nvPr/>
+        </p:nvPicPr>
+        <p:blipFill>
+          <a:blip r:embed="rId5">
+            <a:extLst>
+              <a:ext uri="{28A0092B-C50C-407E-A947-70E740481C1C}">
+                <a14:useLocalDpi xmlns:a14="http://schemas.microsoft.com/office/drawing/2010/main" val="0"/>
+              </a:ext>
+            </a:extLst>
+          </a:blip>
+          <a:srcRect/>
+          <a:stretch>
+            <a:fillRect/>
+          </a:stretch>
+        </p:blipFill>
+        <p:spPr bwMode="auto">
+          <a:xfrm>
+            <a:off x="877254" y="1560892"/>
+            <a:ext cx="9096740" cy="5085579"/>
+          </a:xfrm>
+          <a:prstGeom prst="rect">
+            <a:avLst/>
+          </a:prstGeom>
+          <a:ln>
+            <a:noFill/>
+          </a:ln>
+          <a:effectLst>
+            <a:outerShdw blurRad="292100" dist="139700" dir="2700000" algn="tl" rotWithShape="0">
+              <a:srgbClr val="333333">
+                <a:alpha val="65000"/>
+              </a:srgbClr>
+            </a:outerShdw>
+          </a:effectLst>
+          <a:extLst>
+            <a:ext uri="{909E8E84-426E-40DD-AFC4-6F175D3DCCD1}">
+              <a14:hiddenFill xmlns:a14="http://schemas.microsoft.com/office/drawing/2010/main">
+                <a:solidFill>
+                  <a:srgbClr val="FFFFFF"/>
+                </a:solidFill>
+              </a14:hiddenFill>
+            </a:ext>
+          </a:extLst>
+        </p:spPr>
+      </p:pic>
+      <p:sp>
+        <p:nvSpPr>
+          <p:cNvPr id="11" name="Retângulo 10"/>
+          <p:cNvSpPr/>
+          <p:nvPr/>
+        </p:nvSpPr>
+        <p:spPr>
+          <a:xfrm>
+            <a:off x="4565050" y="4541746"/>
+            <a:ext cx="3054949" cy="561573"/>
+          </a:xfrm>
+          <a:prstGeom prst="rect">
+            <a:avLst/>
+          </a:prstGeom>
+          <a:noFill/>
+          <a:ln>
+            <a:solidFill>
+              <a:srgbClr val="FFFF00"/>
+            </a:solidFill>
+          </a:ln>
+          <a:effectLst>
+            <a:glow rad="101600">
+              <a:schemeClr val="accent3">
+                <a:satMod val="175000"/>
+                <a:alpha val="40000"/>
+              </a:schemeClr>
+            </a:glow>
+            <a:outerShdw blurRad="50800" dist="50800" dir="5400000" algn="ctr" rotWithShape="0">
+              <a:srgbClr val="FFFF00"/>
+            </a:outerShdw>
+          </a:effectLst>
+        </p:spPr>
+        <p:style>
+          <a:lnRef idx="2">
+            <a:schemeClr val="accent1">
+              <a:shade val="50000"/>
+            </a:schemeClr>
+          </a:lnRef>
+          <a:fillRef idx="1">
+            <a:schemeClr val="accent1"/>
+          </a:fillRef>
+          <a:effectRef idx="0">
+            <a:schemeClr val="accent1"/>
+          </a:effectRef>
+          <a:fontRef idx="minor">
+            <a:schemeClr val="lt1"/>
+          </a:fontRef>
+        </p:style>
+        <p:txBody>
+          <a:bodyPr rtlCol="0" anchor="ctr"/>
+          <a:lstStyle/>
+          <a:p>
+            <a:pPr algn="ctr"/>
+            <a:endParaRPr lang="pt-BR">
+              <a:effectLst>
+                <a:glow rad="101600">
+                  <a:schemeClr val="accent3">
+                    <a:satMod val="175000"/>
+                    <a:alpha val="40000"/>
+                  </a:schemeClr>
+                </a:glow>
+              </a:effectLst>
+            </a:endParaRPr>
+          </a:p>
+        </p:txBody>
+      </p:sp>
+    </p:spTree>
+    <p:extLst>
+      <p:ext uri="{BB962C8B-B14F-4D97-AF65-F5344CB8AC3E}">
+        <p14:creationId xmlns:p14="http://schemas.microsoft.com/office/powerpoint/2010/main" val="3330947467"/>
+      </p:ext>
+    </p:extLst>
+  </p:cSld>
+  <p:clrMapOvr>
+    <a:masterClrMapping/>
+  </p:clrMapOvr>
+  <mc:AlternateContent xmlns:mc="http://schemas.openxmlformats.org/markup-compatibility/2006" xmlns:p159="http://schemas.microsoft.com/office/powerpoint/2015/09/main">
+    <mc:Choice Requires="p159">
+      <p:transition xmlns:p14="http://schemas.microsoft.com/office/powerpoint/2010/main" spd="slow" p14:dur="2000">
+        <p159:morph option="byObject"/>
+      </p:transition>
+    </mc:Choice>
+    <mc:Fallback xmlns="">
+      <p:transition spd="slow">
+        <p:fade/>
+      </p:transition>
+    </mc:Fallback>
+  </mc:AlternateContent>
+  <p:timing>
+    <p:tnLst>
+      <p:par>
+        <p:cTn id="1" dur="indefinite" restart="never" nodeType="tmRoot">
+          <p:childTnLst>
+            <p:seq concurrent="1" nextAc="seek">
+              <p:cTn id="2" dur="indefinite" nodeType="mainSeq">
+                <p:childTnLst>
+                  <p:par>
+                    <p:cTn id="3" fill="hold">
+                      <p:stCondLst>
+                        <p:cond delay="indefinite"/>
+                      </p:stCondLst>
+                      <p:childTnLst>
+                        <p:par>
+                          <p:cTn id="4" fill="hold">
+                            <p:stCondLst>
+                              <p:cond delay="0"/>
+                            </p:stCondLst>
+                            <p:childTnLst>
+                              <p:par>
+                                <p:cTn id="5" presetID="16" presetClass="entr" presetSubtype="37" fill="hold" grpId="0" nodeType="clickEffect">
+                                  <p:stCondLst>
+                                    <p:cond delay="0"/>
+                                  </p:stCondLst>
+                                  <p:childTnLst>
+                                    <p:set>
+                                      <p:cBhvr>
+                                        <p:cTn id="6" dur="1" fill="hold">
+                                          <p:stCondLst>
+                                            <p:cond delay="0"/>
+                                          </p:stCondLst>
+                                        </p:cTn>
+                                        <p:tgtEl>
+                                          <p:spTgt spid="11"/>
+                                        </p:tgtEl>
+                                        <p:attrNameLst>
+                                          <p:attrName>style.visibility</p:attrName>
+                                        </p:attrNameLst>
+                                      </p:cBhvr>
+                                      <p:to>
+                                        <p:strVal val="visible"/>
+                                      </p:to>
+                                    </p:set>
+                                    <p:animEffect transition="in" filter="barn(outVertical)">
+                                      <p:cBhvr>
+                                        <p:cTn id="7" dur="500"/>
+                                        <p:tgtEl>
+                                          <p:spTgt spid="11"/>
+                                        </p:tgtEl>
+                                      </p:cBhvr>
+                                    </p:animEffect>
+                                  </p:childTnLst>
+                                </p:cTn>
+                              </p:par>
+                            </p:childTnLst>
+                          </p:cTn>
+                        </p:par>
+                      </p:childTnLst>
+                    </p:cTn>
+                  </p:par>
+                  <p:par>
+                    <p:cTn id="8" fill="hold">
+                      <p:stCondLst>
+                        <p:cond delay="indefinite"/>
+                      </p:stCondLst>
+                      <p:childTnLst>
+                        <p:par>
+                          <p:cTn id="9" fill="hold">
+                            <p:stCondLst>
+                              <p:cond delay="0"/>
+                            </p:stCondLst>
+                            <p:childTnLst>
+                              <p:par>
+                                <p:cTn id="10" presetID="16" presetClass="exit" presetSubtype="21" fill="hold" grpId="1" nodeType="clickEffect">
+                                  <p:stCondLst>
+                                    <p:cond delay="0"/>
+                                  </p:stCondLst>
+                                  <p:childTnLst>
+                                    <p:animEffect transition="out" filter="barn(inVertical)">
+                                      <p:cBhvr>
+                                        <p:cTn id="11" dur="500"/>
+                                        <p:tgtEl>
+                                          <p:spTgt spid="11"/>
+                                        </p:tgtEl>
+                                      </p:cBhvr>
+                                    </p:animEffect>
+                                    <p:set>
+                                      <p:cBhvr>
+                                        <p:cTn id="12" dur="1" fill="hold">
+                                          <p:stCondLst>
+                                            <p:cond delay="499"/>
+                                          </p:stCondLst>
+                                        </p:cTn>
+                                        <p:tgtEl>
+                                          <p:spTgt spid="11"/>
+                                        </p:tgtEl>
+                                        <p:attrNameLst>
+                                          <p:attrName>style.visibility</p:attrName>
+                                        </p:attrNameLst>
+                                      </p:cBhvr>
+                                      <p:to>
+                                        <p:strVal val="hidden"/>
+                                      </p:to>
+                                    </p:set>
+                                  </p:childTnLst>
+                                </p:cTn>
+                              </p:par>
+                            </p:childTnLst>
+                          </p:cTn>
+                        </p:par>
+                      </p:childTnLst>
+                    </p:cTn>
+                  </p:par>
+                </p:childTnLst>
+              </p:cTn>
+              <p:prevCondLst>
+                <p:cond evt="onPrev" delay="0">
+                  <p:tgtEl>
+                    <p:sldTgt/>
+                  </p:tgtEl>
+                </p:cond>
+              </p:prevCondLst>
+              <p:nextCondLst>
+                <p:cond evt="onNext" delay="0">
+                  <p:tgtEl>
+                    <p:sldTgt/>
+                  </p:tgtEl>
+                </p:cond>
+              </p:nextCondLst>
+            </p:seq>
+          </p:childTnLst>
+        </p:cTn>
+      </p:par>
+    </p:tnLst>
+    <p:bldLst>
+      <p:bldP spid="11" grpId="0" animBg="1"/>
+      <p:bldP spid="11" grpId="1" animBg="1"/>
+    </p:bldLst>
+  </p:timing>
+</p:sld>
+</file>
+
+<file path=ppt/slides/slide6.xml><?xml version="1.0" encoding="utf-8"?>
+<p:sld xmlns:a="http://schemas.openxmlformats.org/drawingml/2006/main" xmlns:r="http://schemas.openxmlformats.org/officeDocument/2006/relationships" xmlns:p="http://schemas.openxmlformats.org/presentationml/2006/main">
+  <p:cSld>
+    <p:spTree>
+      <p:nvGrpSpPr>
+        <p:cNvPr id="1" name=""/>
+        <p:cNvGrpSpPr/>
+        <p:nvPr/>
+      </p:nvGrpSpPr>
+      <p:grpSpPr>
+        <a:xfrm>
+          <a:off x="0" y="0"/>
+          <a:ext cx="0" cy="0"/>
+          <a:chOff x="0" y="0"/>
+          <a:chExt cx="0" cy="0"/>
+        </a:xfrm>
+      </p:grpSpPr>
+      <p:sp>
+        <p:nvSpPr>
+          <p:cNvPr id="6" name="Retângulo 5"/>
+          <p:cNvSpPr/>
+          <p:nvPr/>
+        </p:nvSpPr>
+        <p:spPr>
+          <a:xfrm flipH="1">
+            <a:off x="-4763" y="165794"/>
+            <a:ext cx="12192000" cy="1309753"/>
+          </a:xfrm>
+          <a:prstGeom prst="rect">
+            <a:avLst/>
+          </a:prstGeom>
+          <a:solidFill>
+            <a:srgbClr val="DC474B"/>
+          </a:solidFill>
+          <a:ln>
+            <a:noFill/>
+          </a:ln>
+          <a:effectLst>
+            <a:glow>
+              <a:schemeClr val="accent1"/>
+            </a:glow>
+          </a:effectLst>
+        </p:spPr>
+        <p:style>
+          <a:lnRef idx="2">
+            <a:schemeClr val="accent1">
+              <a:shade val="50000"/>
+            </a:schemeClr>
+          </a:lnRef>
+          <a:fillRef idx="1">
+            <a:schemeClr val="accent1"/>
+          </a:fillRef>
+          <a:effectRef idx="0">
+            <a:schemeClr val="accent1"/>
+          </a:effectRef>
+          <a:fontRef idx="minor">
+            <a:schemeClr val="lt1"/>
+          </a:fontRef>
+        </p:style>
+        <p:txBody>
+          <a:bodyPr rtlCol="0" anchor="ctr"/>
+          <a:lstStyle/>
+          <a:p>
+            <a:pPr algn="ctr"/>
+            <a:endParaRPr lang="pt-BR"/>
+          </a:p>
+        </p:txBody>
+      </p:sp>
+      <p:sp>
+        <p:nvSpPr>
+          <p:cNvPr id="2" name="Título 1"/>
+          <p:cNvSpPr>
+            <a:spLocks noGrp="1"/>
+          </p:cNvSpPr>
+          <p:nvPr>
+            <p:ph type="ctrTitle"/>
+          </p:nvPr>
+        </p:nvSpPr>
+        <p:spPr>
+          <a:xfrm>
+            <a:off x="-4764" y="80449"/>
+            <a:ext cx="9205035" cy="1223237"/>
+          </a:xfrm>
+          <a:ln>
+            <a:noFill/>
+          </a:ln>
+          <a:effectLst>
+            <a:outerShdw blurRad="44450" dist="27940" dir="5400000" algn="ctr">
+              <a:schemeClr val="tx1">
+                <a:alpha val="32000"/>
+              </a:schemeClr>
+            </a:outerShdw>
+          </a:effectLst>
+          <a:scene3d>
+            <a:camera prst="orthographicFront">
+              <a:rot lat="0" lon="0" rev="0"/>
+            </a:camera>
+            <a:lightRig rig="balanced" dir="t">
+              <a:rot lat="0" lon="0" rev="8700000"/>
+            </a:lightRig>
+          </a:scene3d>
+          <a:sp3d>
+            <a:bevelT w="190500" h="38100"/>
+          </a:sp3d>
+        </p:spPr>
+        <p:txBody>
+          <a:bodyPr>
+            <a:noAutofit/>
+          </a:bodyPr>
+          <a:lstStyle/>
+          <a:p>
+            <a:pPr algn="l"/>
+            <a:r>
+              <a:rPr lang="pt-BR" sz="4800" dirty="0">
+                <a:solidFill>
+                  <a:schemeClr val="bg1"/>
+                </a:solidFill>
+                <a:latin typeface="Arial" panose="020B0604020202020204" pitchFamily="34" charset="0"/>
+                <a:cs typeface="Arial" panose="020B0604020202020204" pitchFamily="34" charset="0"/>
+              </a:rPr>
+              <a:t>Função Direita</a:t>
+            </a:r>
+            <a:r>
+              <a:rPr lang="pt-BR" sz="6000" dirty="0">
+                <a:solidFill>
+                  <a:schemeClr val="bg1"/>
+                </a:solidFill>
+                <a:latin typeface="Arial" panose="020B0604020202020204" pitchFamily="34" charset="0"/>
+                <a:cs typeface="Arial" panose="020B0604020202020204" pitchFamily="34" charset="0"/>
+              </a:rPr>
+              <a:t>:</a:t>
+            </a:r>
+          </a:p>
+        </p:txBody>
+      </p:sp>
+      <p:grpSp>
+        <p:nvGrpSpPr>
+          <p:cNvPr id="3" name="Grupo 2"/>
+          <p:cNvGrpSpPr/>
+          <p:nvPr/>
+        </p:nvGrpSpPr>
+        <p:grpSpPr>
+          <a:xfrm>
+            <a:off x="9009915" y="332447"/>
+            <a:ext cx="3182085" cy="978406"/>
+            <a:chOff x="9009915" y="332447"/>
+            <a:chExt cx="3182085" cy="978406"/>
+          </a:xfrm>
+        </p:grpSpPr>
+        <p:pic>
+          <p:nvPicPr>
+            <p:cNvPr id="1026" name="Picture 2" descr="http://www.ccbeusorocaba.com.br/wp-content/uploads/2014/10/logo-site.png"/>
+            <p:cNvPicPr>
+              <a:picLocks noChangeAspect="1" noChangeArrowheads="1"/>
+            </p:cNvPicPr>
+            <p:nvPr/>
+          </p:nvPicPr>
+          <p:blipFill rotWithShape="1">
+            <a:blip r:embed="rId2">
+              <a:biLevel thresh="25000"/>
+              <a:extLst>
+                <a:ext uri="{28A0092B-C50C-407E-A947-70E740481C1C}">
+                  <a14:useLocalDpi xmlns:a14="http://schemas.microsoft.com/office/drawing/2010/main" val="0"/>
+                </a:ext>
+              </a:extLst>
+            </a:blip>
+            <a:srcRect b="22842"/>
+            <a:stretch/>
+          </p:blipFill>
+          <p:spPr bwMode="auto">
+            <a:xfrm>
+              <a:off x="9009915" y="332447"/>
+              <a:ext cx="3177322" cy="753404"/>
+            </a:xfrm>
+            <a:prstGeom prst="rect">
+              <a:avLst/>
+            </a:prstGeom>
+            <a:noFill/>
+            <a:effectLst/>
+            <a:extLst>
+              <a:ext uri="{909E8E84-426E-40DD-AFC4-6F175D3DCCD1}">
+                <a14:hiddenFill xmlns:a14="http://schemas.microsoft.com/office/drawing/2010/main">
+                  <a:solidFill>
+                    <a:srgbClr val="FFFFFF"/>
+                  </a:solidFill>
+                </a14:hiddenFill>
+              </a:ext>
+            </a:extLst>
+          </p:spPr>
+        </p:pic>
+        <p:pic>
+          <p:nvPicPr>
+            <p:cNvPr id="8" name="Picture 2" descr="http://www.ccbeusorocaba.com.br/wp-content/uploads/2014/10/logo-site.png"/>
+            <p:cNvPicPr>
+              <a:picLocks noChangeAspect="1" noChangeArrowheads="1"/>
+            </p:cNvPicPr>
+            <p:nvPr/>
+          </p:nvPicPr>
+          <p:blipFill rotWithShape="1">
+            <a:blip r:embed="rId3">
+              <a:biLevel thresh="25000"/>
+              <a:extLst>
+                <a:ext uri="{BEBA8EAE-BF5A-486C-A8C5-ECC9F3942E4B}">
+                  <a14:imgProps xmlns:a14="http://schemas.microsoft.com/office/drawing/2010/main">
+                    <a14:imgLayer r:embed="rId4">
+                      <a14:imgEffect>
+                        <a14:brightnessContrast bright="20000" contrast="-40000"/>
+                      </a14:imgEffect>
+                    </a14:imgLayer>
+                  </a14:imgProps>
+                </a:ext>
+                <a:ext uri="{28A0092B-C50C-407E-A947-70E740481C1C}">
+                  <a14:useLocalDpi xmlns:a14="http://schemas.microsoft.com/office/drawing/2010/main" val="0"/>
+                </a:ext>
+              </a:extLst>
+            </a:blip>
+            <a:srcRect t="76760"/>
+            <a:stretch/>
+          </p:blipFill>
+          <p:spPr bwMode="auto">
+            <a:xfrm>
+              <a:off x="9014678" y="1083922"/>
+              <a:ext cx="3177322" cy="226931"/>
+            </a:xfrm>
+            <a:prstGeom prst="rect">
+              <a:avLst/>
+            </a:prstGeom>
+            <a:noFill/>
+            <a:effectLst/>
+            <a:extLst>
+              <a:ext uri="{909E8E84-426E-40DD-AFC4-6F175D3DCCD1}">
+                <a14:hiddenFill xmlns:a14="http://schemas.microsoft.com/office/drawing/2010/main">
+                  <a:solidFill>
+                    <a:srgbClr val="FFFFFF"/>
+                  </a:solidFill>
+                </a14:hiddenFill>
+              </a:ext>
+            </a:extLst>
+          </p:spPr>
+        </p:pic>
+      </p:grpSp>
+      <p:grpSp>
+        <p:nvGrpSpPr>
+          <p:cNvPr id="10" name="Agrupar 9"/>
+          <p:cNvGrpSpPr/>
+          <p:nvPr/>
+        </p:nvGrpSpPr>
+        <p:grpSpPr>
+          <a:xfrm>
+            <a:off x="154671" y="1642200"/>
+            <a:ext cx="11788726" cy="3283314"/>
+            <a:chOff x="822473" y="1642200"/>
+            <a:chExt cx="10886876" cy="2702372"/>
+          </a:xfrm>
+        </p:grpSpPr>
+        <p:pic>
+          <p:nvPicPr>
+            <p:cNvPr id="7" name="Imagem 6" descr="Recorte de Tela"/>
+            <p:cNvPicPr>
+              <a:picLocks noChangeAspect="1"/>
+            </p:cNvPicPr>
+            <p:nvPr/>
+          </p:nvPicPr>
+          <p:blipFill rotWithShape="1">
+            <a:blip r:embed="rId5">
+              <a:extLst>
+                <a:ext uri="{28A0092B-C50C-407E-A947-70E740481C1C}">
+                  <a14:useLocalDpi xmlns:a14="http://schemas.microsoft.com/office/drawing/2010/main" val="0"/>
+                </a:ext>
+              </a:extLst>
+            </a:blip>
+            <a:srcRect b="62603"/>
+            <a:stretch/>
+          </p:blipFill>
+          <p:spPr>
+            <a:xfrm>
+              <a:off x="822473" y="1642200"/>
+              <a:ext cx="10537528" cy="1382354"/>
+            </a:xfrm>
+            <a:prstGeom prst="rect">
+              <a:avLst/>
+            </a:prstGeom>
+          </p:spPr>
+        </p:pic>
+        <p:pic>
+          <p:nvPicPr>
+            <p:cNvPr id="15" name="Imagem 14" descr="Recorte de Tela"/>
+            <p:cNvPicPr>
+              <a:picLocks noChangeAspect="1"/>
+            </p:cNvPicPr>
+            <p:nvPr/>
+          </p:nvPicPr>
+          <p:blipFill rotWithShape="1">
+            <a:blip r:embed="rId5">
+              <a:extLst>
+                <a:ext uri="{28A0092B-C50C-407E-A947-70E740481C1C}">
+                  <a14:useLocalDpi xmlns:a14="http://schemas.microsoft.com/office/drawing/2010/main" val="0"/>
+                </a:ext>
+              </a:extLst>
+            </a:blip>
+            <a:srcRect t="68798"/>
+            <a:stretch/>
+          </p:blipFill>
+          <p:spPr>
+            <a:xfrm>
+              <a:off x="1171821" y="3191207"/>
+              <a:ext cx="10537528" cy="1153365"/>
+            </a:xfrm>
+            <a:prstGeom prst="rect">
+              <a:avLst/>
+            </a:prstGeom>
+          </p:spPr>
+        </p:pic>
+      </p:grpSp>
+    </p:spTree>
+    <p:extLst>
+      <p:ext uri="{BB962C8B-B14F-4D97-AF65-F5344CB8AC3E}">
+        <p14:creationId xmlns:p14="http://schemas.microsoft.com/office/powerpoint/2010/main" val="1340273638"/>
+      </p:ext>
+    </p:extLst>
+  </p:cSld>
+  <p:clrMapOvr>
+    <a:masterClrMapping/>
+  </p:clrMapOvr>
+  <mc:AlternateContent xmlns:mc="http://schemas.openxmlformats.org/markup-compatibility/2006" xmlns:p159="http://schemas.microsoft.com/office/powerpoint/2015/09/main">
+    <mc:Choice Requires="p159">
+      <p:transition xmlns:p14="http://schemas.microsoft.com/office/powerpoint/2010/main" spd="slow" p14:dur="2000">
+        <p159:morph option="byObject"/>
+      </p:transition>
+    </mc:Choice>
+    <mc:Fallback xmlns="">
+      <p:transition spd="slow">
+        <p:fade/>
+      </p:transition>
+    </mc:Fallback>
+  </mc:AlternateContent>
+</p:sld>
+</file>
+
+<file path=ppt/slides/slide7.xml><?xml version="1.0" encoding="utf-8"?>
+<p:sld xmlns:a="http://schemas.openxmlformats.org/drawingml/2006/main" xmlns:r="http://schemas.openxmlformats.org/officeDocument/2006/relationships" xmlns:p="http://schemas.openxmlformats.org/presentationml/2006/main">
+  <p:cSld>
+    <p:spTree>
+      <p:nvGrpSpPr>
+        <p:cNvPr id="1" name=""/>
+        <p:cNvGrpSpPr/>
+        <p:nvPr/>
+      </p:nvGrpSpPr>
+      <p:grpSpPr>
+        <a:xfrm>
+          <a:off x="0" y="0"/>
+          <a:ext cx="0" cy="0"/>
+          <a:chOff x="0" y="0"/>
+          <a:chExt cx="0" cy="0"/>
+        </a:xfrm>
+      </p:grpSpPr>
+      <p:sp>
+        <p:nvSpPr>
+          <p:cNvPr id="6" name="Retângulo 5"/>
+          <p:cNvSpPr/>
+          <p:nvPr/>
+        </p:nvSpPr>
+        <p:spPr>
+          <a:xfrm flipH="1">
+            <a:off x="-4763" y="165794"/>
+            <a:ext cx="12192000" cy="1309753"/>
+          </a:xfrm>
+          <a:prstGeom prst="rect">
+            <a:avLst/>
+          </a:prstGeom>
+          <a:solidFill>
+            <a:srgbClr val="DC474B"/>
+          </a:solidFill>
+          <a:ln>
+            <a:noFill/>
+          </a:ln>
+          <a:effectLst>
+            <a:glow>
+              <a:schemeClr val="accent1"/>
+            </a:glow>
+          </a:effectLst>
+        </p:spPr>
+        <p:style>
+          <a:lnRef idx="2">
+            <a:schemeClr val="accent1">
+              <a:shade val="50000"/>
+            </a:schemeClr>
+          </a:lnRef>
+          <a:fillRef idx="1">
+            <a:schemeClr val="accent1"/>
+          </a:fillRef>
+          <a:effectRef idx="0">
+            <a:schemeClr val="accent1"/>
+          </a:effectRef>
+          <a:fontRef idx="minor">
+            <a:schemeClr val="lt1"/>
+          </a:fontRef>
+        </p:style>
+        <p:txBody>
+          <a:bodyPr rtlCol="0" anchor="ctr"/>
+          <a:lstStyle/>
+          <a:p>
+            <a:pPr algn="ctr"/>
+            <a:endParaRPr lang="pt-BR"/>
+          </a:p>
+        </p:txBody>
+      </p:sp>
+      <p:sp>
+        <p:nvSpPr>
+          <p:cNvPr id="2" name="Título 1"/>
+          <p:cNvSpPr>
+            <a:spLocks noGrp="1"/>
+          </p:cNvSpPr>
+          <p:nvPr>
+            <p:ph type="ctrTitle"/>
+          </p:nvPr>
+        </p:nvSpPr>
+        <p:spPr>
+          <a:xfrm>
+            <a:off x="-4764" y="80449"/>
+            <a:ext cx="9205035" cy="1223237"/>
+          </a:xfrm>
+          <a:ln>
+            <a:noFill/>
+          </a:ln>
+          <a:effectLst>
+            <a:outerShdw blurRad="44450" dist="27940" dir="5400000" algn="ctr">
+              <a:schemeClr val="tx1">
+                <a:alpha val="32000"/>
+              </a:schemeClr>
+            </a:outerShdw>
+          </a:effectLst>
+          <a:scene3d>
+            <a:camera prst="orthographicFront">
+              <a:rot lat="0" lon="0" rev="0"/>
+            </a:camera>
+            <a:lightRig rig="balanced" dir="t">
+              <a:rot lat="0" lon="0" rev="8700000"/>
+            </a:lightRig>
+          </a:scene3d>
+          <a:sp3d>
+            <a:bevelT w="190500" h="38100"/>
+          </a:sp3d>
+        </p:spPr>
+        <p:txBody>
+          <a:bodyPr>
+            <a:noAutofit/>
+          </a:bodyPr>
+          <a:lstStyle/>
+          <a:p>
+            <a:pPr algn="l"/>
+            <a:r>
+              <a:rPr lang="pt-BR" sz="4800" dirty="0">
+                <a:solidFill>
+                  <a:schemeClr val="bg1"/>
+                </a:solidFill>
+                <a:latin typeface="Arial" panose="020B0604020202020204" pitchFamily="34" charset="0"/>
+                <a:cs typeface="Arial" panose="020B0604020202020204" pitchFamily="34" charset="0"/>
+              </a:rPr>
+              <a:t>Função Esquerda:</a:t>
+            </a:r>
+            <a:endParaRPr lang="pt-BR" sz="6000" dirty="0">
+              <a:solidFill>
+                <a:schemeClr val="bg1"/>
+              </a:solidFill>
+              <a:latin typeface="Arial" panose="020B0604020202020204" pitchFamily="34" charset="0"/>
+              <a:cs typeface="Arial" panose="020B0604020202020204" pitchFamily="34" charset="0"/>
+            </a:endParaRPr>
+          </a:p>
+        </p:txBody>
+      </p:sp>
+      <p:grpSp>
+        <p:nvGrpSpPr>
+          <p:cNvPr id="3" name="Grupo 2"/>
+          <p:cNvGrpSpPr/>
+          <p:nvPr/>
+        </p:nvGrpSpPr>
+        <p:grpSpPr>
+          <a:xfrm>
+            <a:off x="9009915" y="332447"/>
+            <a:ext cx="3182085" cy="978406"/>
+            <a:chOff x="9009915" y="332447"/>
+            <a:chExt cx="3182085" cy="978406"/>
+          </a:xfrm>
+        </p:grpSpPr>
+        <p:pic>
+          <p:nvPicPr>
+            <p:cNvPr id="1026" name="Picture 2" descr="http://www.ccbeusorocaba.com.br/wp-content/uploads/2014/10/logo-site.png"/>
+            <p:cNvPicPr>
+              <a:picLocks noChangeAspect="1" noChangeArrowheads="1"/>
+            </p:cNvPicPr>
+            <p:nvPr/>
+          </p:nvPicPr>
+          <p:blipFill rotWithShape="1">
+            <a:blip r:embed="rId2">
+              <a:biLevel thresh="25000"/>
+              <a:extLst>
+                <a:ext uri="{28A0092B-C50C-407E-A947-70E740481C1C}">
+                  <a14:useLocalDpi xmlns:a14="http://schemas.microsoft.com/office/drawing/2010/main" val="0"/>
+                </a:ext>
+              </a:extLst>
+            </a:blip>
+            <a:srcRect b="22842"/>
+            <a:stretch/>
+          </p:blipFill>
+          <p:spPr bwMode="auto">
+            <a:xfrm>
+              <a:off x="9009915" y="332447"/>
+              <a:ext cx="3177322" cy="753404"/>
+            </a:xfrm>
+            <a:prstGeom prst="rect">
+              <a:avLst/>
+            </a:prstGeom>
+            <a:noFill/>
+            <a:effectLst/>
+            <a:extLst>
+              <a:ext uri="{909E8E84-426E-40DD-AFC4-6F175D3DCCD1}">
+                <a14:hiddenFill xmlns:a14="http://schemas.microsoft.com/office/drawing/2010/main">
+                  <a:solidFill>
+                    <a:srgbClr val="FFFFFF"/>
+                  </a:solidFill>
+                </a14:hiddenFill>
+              </a:ext>
+            </a:extLst>
+          </p:spPr>
+        </p:pic>
+        <p:pic>
+          <p:nvPicPr>
+            <p:cNvPr id="8" name="Picture 2" descr="http://www.ccbeusorocaba.com.br/wp-content/uploads/2014/10/logo-site.png"/>
+            <p:cNvPicPr>
+              <a:picLocks noChangeAspect="1" noChangeArrowheads="1"/>
+            </p:cNvPicPr>
+            <p:nvPr/>
+          </p:nvPicPr>
+          <p:blipFill rotWithShape="1">
+            <a:blip r:embed="rId3">
+              <a:biLevel thresh="25000"/>
+              <a:extLst>
+                <a:ext uri="{BEBA8EAE-BF5A-486C-A8C5-ECC9F3942E4B}">
+                  <a14:imgProps xmlns:a14="http://schemas.microsoft.com/office/drawing/2010/main">
+                    <a14:imgLayer r:embed="rId4">
+                      <a14:imgEffect>
+                        <a14:brightnessContrast bright="20000" contrast="-40000"/>
+                      </a14:imgEffect>
+                    </a14:imgLayer>
+                  </a14:imgProps>
+                </a:ext>
+                <a:ext uri="{28A0092B-C50C-407E-A947-70E740481C1C}">
+                  <a14:useLocalDpi xmlns:a14="http://schemas.microsoft.com/office/drawing/2010/main" val="0"/>
+                </a:ext>
+              </a:extLst>
+            </a:blip>
+            <a:srcRect t="76760"/>
+            <a:stretch/>
+          </p:blipFill>
+          <p:spPr bwMode="auto">
+            <a:xfrm>
+              <a:off x="9014678" y="1083922"/>
+              <a:ext cx="3177322" cy="226931"/>
+            </a:xfrm>
+            <a:prstGeom prst="rect">
+              <a:avLst/>
+            </a:prstGeom>
+            <a:noFill/>
+            <a:effectLst/>
+            <a:extLst>
+              <a:ext uri="{909E8E84-426E-40DD-AFC4-6F175D3DCCD1}">
+                <a14:hiddenFill xmlns:a14="http://schemas.microsoft.com/office/drawing/2010/main">
+                  <a:solidFill>
+                    <a:srgbClr val="FFFFFF"/>
+                  </a:solidFill>
+                </a14:hiddenFill>
+              </a:ext>
+            </a:extLst>
+          </p:spPr>
+        </p:pic>
+      </p:grpSp>
+      <p:grpSp>
+        <p:nvGrpSpPr>
+          <p:cNvPr id="7" name="Agrupar 6"/>
+          <p:cNvGrpSpPr/>
+          <p:nvPr/>
+        </p:nvGrpSpPr>
+        <p:grpSpPr>
+          <a:xfrm>
+            <a:off x="387555" y="1833677"/>
+            <a:ext cx="10343854" cy="3502071"/>
+            <a:chOff x="387555" y="1833677"/>
+            <a:chExt cx="10343854" cy="3502071"/>
+          </a:xfrm>
+        </p:grpSpPr>
+        <p:pic>
+          <p:nvPicPr>
+            <p:cNvPr id="5" name="Imagem 4" descr="Recorte de Tela"/>
+            <p:cNvPicPr>
+              <a:picLocks noChangeAspect="1"/>
+            </p:cNvPicPr>
+            <p:nvPr/>
+          </p:nvPicPr>
+          <p:blipFill rotWithShape="1">
+            <a:blip r:embed="rId5">
+              <a:extLst>
+                <a:ext uri="{28A0092B-C50C-407E-A947-70E740481C1C}">
+                  <a14:useLocalDpi xmlns:a14="http://schemas.microsoft.com/office/drawing/2010/main" val="0"/>
+                </a:ext>
+              </a:extLst>
+            </a:blip>
+            <a:srcRect b="68118"/>
+            <a:stretch/>
+          </p:blipFill>
+          <p:spPr>
+            <a:xfrm>
+              <a:off x="387555" y="1833677"/>
+              <a:ext cx="10191454" cy="1204945"/>
+            </a:xfrm>
+            <a:prstGeom prst="rect">
+              <a:avLst/>
+            </a:prstGeom>
+          </p:spPr>
+        </p:pic>
+        <p:pic>
+          <p:nvPicPr>
+            <p:cNvPr id="12" name="Imagem 11" descr="Recorte de Tela"/>
+            <p:cNvPicPr>
+              <a:picLocks noChangeAspect="1"/>
+            </p:cNvPicPr>
+            <p:nvPr/>
+          </p:nvPicPr>
+          <p:blipFill rotWithShape="1">
+            <a:blip r:embed="rId5">
+              <a:extLst>
+                <a:ext uri="{28A0092B-C50C-407E-A947-70E740481C1C}">
+                  <a14:useLocalDpi xmlns:a14="http://schemas.microsoft.com/office/drawing/2010/main" val="0"/>
+                </a:ext>
+              </a:extLst>
+            </a:blip>
+            <a:srcRect t="48695"/>
+            <a:stretch/>
+          </p:blipFill>
+          <p:spPr>
+            <a:xfrm>
+              <a:off x="539955" y="3396752"/>
+              <a:ext cx="10191454" cy="1938996"/>
+            </a:xfrm>
+            <a:prstGeom prst="rect">
+              <a:avLst/>
+            </a:prstGeom>
+          </p:spPr>
+        </p:pic>
+      </p:grpSp>
+    </p:spTree>
+    <p:extLst>
+      <p:ext uri="{BB962C8B-B14F-4D97-AF65-F5344CB8AC3E}">
+        <p14:creationId xmlns:p14="http://schemas.microsoft.com/office/powerpoint/2010/main" val="2708638186"/>
+      </p:ext>
+    </p:extLst>
+  </p:cSld>
+  <p:clrMapOvr>
+    <a:masterClrMapping/>
+  </p:clrMapOvr>
+  <mc:AlternateContent xmlns:mc="http://schemas.openxmlformats.org/markup-compatibility/2006" xmlns:p159="http://schemas.microsoft.com/office/powerpoint/2015/09/main">
+    <mc:Choice Requires="p159">
+      <p:transition xmlns:p14="http://schemas.microsoft.com/office/powerpoint/2010/main" spd="slow" p14:dur="2000">
+        <p159:morph option="byObject"/>
+      </p:transition>
+    </mc:Choice>
+    <mc:Fallback xmlns="">
+      <p:transition spd="slow">
+        <p:fade/>
+      </p:transition>
+    </mc:Fallback>
+  </mc:AlternateContent>
+</p:sld>
+</file>
+
+<file path=ppt/slides/slide8.xml><?xml version="1.0" encoding="utf-8"?>
+<p:sld xmlns:a="http://schemas.openxmlformats.org/drawingml/2006/main" xmlns:r="http://schemas.openxmlformats.org/officeDocument/2006/relationships" xmlns:p="http://schemas.openxmlformats.org/presentationml/2006/main">
+  <p:cSld>
+    <p:spTree>
+      <p:nvGrpSpPr>
+        <p:cNvPr id="1" name=""/>
+        <p:cNvGrpSpPr/>
+        <p:nvPr/>
+      </p:nvGrpSpPr>
+      <p:grpSpPr>
+        <a:xfrm>
+          <a:off x="0" y="0"/>
+          <a:ext cx="0" cy="0"/>
+          <a:chOff x="0" y="0"/>
+          <a:chExt cx="0" cy="0"/>
+        </a:xfrm>
+      </p:grpSpPr>
+      <p:sp>
+        <p:nvSpPr>
+          <p:cNvPr id="6" name="Retângulo 5"/>
+          <p:cNvSpPr/>
+          <p:nvPr/>
+        </p:nvSpPr>
+        <p:spPr>
+          <a:xfrm flipH="1">
+            <a:off x="-4763" y="165794"/>
+            <a:ext cx="12192000" cy="1309753"/>
+          </a:xfrm>
+          <a:prstGeom prst="rect">
+            <a:avLst/>
+          </a:prstGeom>
+          <a:solidFill>
+            <a:srgbClr val="DC474B"/>
+          </a:solidFill>
+          <a:ln>
+            <a:noFill/>
+          </a:ln>
+          <a:effectLst>
+            <a:glow>
+              <a:schemeClr val="accent1"/>
+            </a:glow>
+          </a:effectLst>
+        </p:spPr>
+        <p:style>
+          <a:lnRef idx="2">
+            <a:schemeClr val="accent1">
+              <a:shade val="50000"/>
+            </a:schemeClr>
+          </a:lnRef>
+          <a:fillRef idx="1">
+            <a:schemeClr val="accent1"/>
+          </a:fillRef>
+          <a:effectRef idx="0">
+            <a:schemeClr val="accent1"/>
+          </a:effectRef>
+          <a:fontRef idx="minor">
+            <a:schemeClr val="lt1"/>
+          </a:fontRef>
+        </p:style>
+        <p:txBody>
+          <a:bodyPr rtlCol="0" anchor="ctr"/>
+          <a:lstStyle/>
+          <a:p>
+            <a:pPr algn="ctr"/>
+            <a:endParaRPr lang="pt-BR"/>
+          </a:p>
+        </p:txBody>
+      </p:sp>
+      <p:sp>
+        <p:nvSpPr>
+          <p:cNvPr id="2" name="Título 1"/>
+          <p:cNvSpPr>
+            <a:spLocks noGrp="1"/>
+          </p:cNvSpPr>
+          <p:nvPr>
+            <p:ph type="ctrTitle"/>
+          </p:nvPr>
+        </p:nvSpPr>
+        <p:spPr>
+          <a:xfrm>
+            <a:off x="-4764" y="80449"/>
+            <a:ext cx="9205035" cy="1223237"/>
+          </a:xfrm>
+          <a:ln>
+            <a:noFill/>
+          </a:ln>
+          <a:effectLst>
+            <a:outerShdw blurRad="44450" dist="27940" dir="5400000" algn="ctr">
+              <a:schemeClr val="tx1">
+                <a:alpha val="32000"/>
+              </a:schemeClr>
+            </a:outerShdw>
+          </a:effectLst>
+          <a:scene3d>
+            <a:camera prst="orthographicFront">
+              <a:rot lat="0" lon="0" rev="0"/>
+            </a:camera>
+            <a:lightRig rig="balanced" dir="t">
+              <a:rot lat="0" lon="0" rev="8700000"/>
+            </a:lightRig>
+          </a:scene3d>
+          <a:sp3d>
+            <a:bevelT w="190500" h="38100"/>
+          </a:sp3d>
+        </p:spPr>
+        <p:txBody>
+          <a:bodyPr>
+            <a:noAutofit/>
+          </a:bodyPr>
+          <a:lstStyle/>
+          <a:p>
+            <a:pPr algn="l"/>
+            <a:r>
+              <a:rPr lang="pt-BR" sz="4800" dirty="0">
+                <a:solidFill>
+                  <a:schemeClr val="bg1"/>
+                </a:solidFill>
+                <a:latin typeface="Arial" panose="020B0604020202020204" pitchFamily="34" charset="0"/>
+                <a:cs typeface="Arial" panose="020B0604020202020204" pitchFamily="34" charset="0"/>
+              </a:rPr>
+              <a:t>Função Extrair Texto(</a:t>
+            </a:r>
+            <a:r>
+              <a:rPr lang="pt-BR" sz="4800" dirty="0" err="1">
+                <a:solidFill>
+                  <a:schemeClr val="bg1"/>
+                </a:solidFill>
+                <a:latin typeface="Arial" panose="020B0604020202020204" pitchFamily="34" charset="0"/>
+                <a:cs typeface="Arial" panose="020B0604020202020204" pitchFamily="34" charset="0"/>
+              </a:rPr>
+              <a:t>ext.texto</a:t>
+            </a:r>
+            <a:r>
+              <a:rPr lang="pt-BR" sz="4800" dirty="0">
+                <a:solidFill>
+                  <a:schemeClr val="bg1"/>
+                </a:solidFill>
+                <a:latin typeface="Arial" panose="020B0604020202020204" pitchFamily="34" charset="0"/>
+                <a:cs typeface="Arial" panose="020B0604020202020204" pitchFamily="34" charset="0"/>
+              </a:rPr>
+              <a:t>)</a:t>
+            </a:r>
+            <a:r>
+              <a:rPr lang="pt-BR" sz="6000" dirty="0">
+                <a:solidFill>
+                  <a:schemeClr val="bg1"/>
+                </a:solidFill>
+                <a:latin typeface="Arial" panose="020B0604020202020204" pitchFamily="34" charset="0"/>
+                <a:cs typeface="Arial" panose="020B0604020202020204" pitchFamily="34" charset="0"/>
+              </a:rPr>
+              <a:t>:</a:t>
+            </a:r>
+          </a:p>
+        </p:txBody>
+      </p:sp>
+      <p:grpSp>
+        <p:nvGrpSpPr>
+          <p:cNvPr id="3" name="Grupo 2"/>
+          <p:cNvGrpSpPr/>
+          <p:nvPr/>
+        </p:nvGrpSpPr>
+        <p:grpSpPr>
+          <a:xfrm>
+            <a:off x="9009915" y="332447"/>
+            <a:ext cx="3182085" cy="978406"/>
+            <a:chOff x="9009915" y="332447"/>
+            <a:chExt cx="3182085" cy="978406"/>
+          </a:xfrm>
+        </p:grpSpPr>
+        <p:pic>
+          <p:nvPicPr>
+            <p:cNvPr id="1026" name="Picture 2" descr="http://www.ccbeusorocaba.com.br/wp-content/uploads/2014/10/logo-site.png"/>
+            <p:cNvPicPr>
+              <a:picLocks noChangeAspect="1" noChangeArrowheads="1"/>
+            </p:cNvPicPr>
+            <p:nvPr/>
+          </p:nvPicPr>
+          <p:blipFill rotWithShape="1">
+            <a:blip r:embed="rId2">
+              <a:biLevel thresh="25000"/>
+              <a:extLst>
+                <a:ext uri="{28A0092B-C50C-407E-A947-70E740481C1C}">
+                  <a14:useLocalDpi xmlns:a14="http://schemas.microsoft.com/office/drawing/2010/main" val="0"/>
+                </a:ext>
+              </a:extLst>
+            </a:blip>
+            <a:srcRect b="22842"/>
+            <a:stretch/>
+          </p:blipFill>
+          <p:spPr bwMode="auto">
+            <a:xfrm>
+              <a:off x="9009915" y="332447"/>
+              <a:ext cx="3177322" cy="753404"/>
+            </a:xfrm>
+            <a:prstGeom prst="rect">
+              <a:avLst/>
+            </a:prstGeom>
+            <a:noFill/>
+            <a:effectLst/>
+            <a:extLst>
+              <a:ext uri="{909E8E84-426E-40DD-AFC4-6F175D3DCCD1}">
+                <a14:hiddenFill xmlns:a14="http://schemas.microsoft.com/office/drawing/2010/main">
+                  <a:solidFill>
+                    <a:srgbClr val="FFFFFF"/>
+                  </a:solidFill>
+                </a14:hiddenFill>
+              </a:ext>
+            </a:extLst>
+          </p:spPr>
+        </p:pic>
+        <p:pic>
+          <p:nvPicPr>
+            <p:cNvPr id="8" name="Picture 2" descr="http://www.ccbeusorocaba.com.br/wp-content/uploads/2014/10/logo-site.png"/>
+            <p:cNvPicPr>
+              <a:picLocks noChangeAspect="1" noChangeArrowheads="1"/>
+            </p:cNvPicPr>
+            <p:nvPr/>
+          </p:nvPicPr>
+          <p:blipFill rotWithShape="1">
+            <a:blip r:embed="rId3">
+              <a:biLevel thresh="25000"/>
+              <a:extLst>
+                <a:ext uri="{BEBA8EAE-BF5A-486C-A8C5-ECC9F3942E4B}">
+                  <a14:imgProps xmlns:a14="http://schemas.microsoft.com/office/drawing/2010/main">
+                    <a14:imgLayer r:embed="rId4">
+                      <a14:imgEffect>
+                        <a14:brightnessContrast bright="20000" contrast="-40000"/>
+                      </a14:imgEffect>
+                    </a14:imgLayer>
+                  </a14:imgProps>
+                </a:ext>
+                <a:ext uri="{28A0092B-C50C-407E-A947-70E740481C1C}">
+                  <a14:useLocalDpi xmlns:a14="http://schemas.microsoft.com/office/drawing/2010/main" val="0"/>
+                </a:ext>
+              </a:extLst>
+            </a:blip>
+            <a:srcRect t="76760"/>
+            <a:stretch/>
+          </p:blipFill>
+          <p:spPr bwMode="auto">
+            <a:xfrm>
+              <a:off x="9014678" y="1083922"/>
+              <a:ext cx="3177322" cy="226931"/>
+            </a:xfrm>
+            <a:prstGeom prst="rect">
+              <a:avLst/>
+            </a:prstGeom>
+            <a:noFill/>
+            <a:effectLst/>
+            <a:extLst>
+              <a:ext uri="{909E8E84-426E-40DD-AFC4-6F175D3DCCD1}">
+                <a14:hiddenFill xmlns:a14="http://schemas.microsoft.com/office/drawing/2010/main">
+                  <a:solidFill>
+                    <a:srgbClr val="FFFFFF"/>
+                  </a:solidFill>
+                </a14:hiddenFill>
+              </a:ext>
+            </a:extLst>
+          </p:spPr>
+        </p:pic>
+      </p:grpSp>
+      <p:grpSp>
+        <p:nvGrpSpPr>
+          <p:cNvPr id="14" name="Agrupar 13"/>
+          <p:cNvGrpSpPr/>
+          <p:nvPr/>
+        </p:nvGrpSpPr>
+        <p:grpSpPr>
+          <a:xfrm>
+            <a:off x="387555" y="2055161"/>
+            <a:ext cx="11098454" cy="3381875"/>
+            <a:chOff x="922127" y="1907577"/>
+            <a:chExt cx="7878274" cy="2400635"/>
+          </a:xfrm>
+        </p:grpSpPr>
+        <p:pic>
+          <p:nvPicPr>
+            <p:cNvPr id="11" name="Imagem 10" descr="Recorte de Tela"/>
+            <p:cNvPicPr>
+              <a:picLocks noChangeAspect="1"/>
+            </p:cNvPicPr>
+            <p:nvPr/>
+          </p:nvPicPr>
+          <p:blipFill>
+            <a:blip r:embed="rId5">
+              <a:extLst>
+                <a:ext uri="{28A0092B-C50C-407E-A947-70E740481C1C}">
+                  <a14:useLocalDpi xmlns:a14="http://schemas.microsoft.com/office/drawing/2010/main" val="0"/>
+                </a:ext>
+              </a:extLst>
+            </a:blip>
+            <a:stretch>
+              <a:fillRect/>
+            </a:stretch>
+          </p:blipFill>
+          <p:spPr>
+            <a:xfrm>
+              <a:off x="922127" y="1907577"/>
+              <a:ext cx="6858957" cy="876422"/>
+            </a:xfrm>
+            <a:prstGeom prst="rect">
+              <a:avLst/>
+            </a:prstGeom>
+          </p:spPr>
+        </p:pic>
+        <p:pic>
+          <p:nvPicPr>
+            <p:cNvPr id="13" name="Imagem 12" descr="Recorte de Tela"/>
+            <p:cNvPicPr>
+              <a:picLocks noChangeAspect="1"/>
+            </p:cNvPicPr>
+            <p:nvPr/>
+          </p:nvPicPr>
+          <p:blipFill>
+            <a:blip r:embed="rId6">
+              <a:extLst>
+                <a:ext uri="{28A0092B-C50C-407E-A947-70E740481C1C}">
+                  <a14:useLocalDpi xmlns:a14="http://schemas.microsoft.com/office/drawing/2010/main" val="0"/>
+                </a:ext>
+              </a:extLst>
+            </a:blip>
+            <a:stretch>
+              <a:fillRect/>
+            </a:stretch>
+          </p:blipFill>
+          <p:spPr>
+            <a:xfrm>
+              <a:off x="922127" y="2783999"/>
+              <a:ext cx="7878274" cy="1524213"/>
+            </a:xfrm>
+            <a:prstGeom prst="rect">
+              <a:avLst/>
+            </a:prstGeom>
+          </p:spPr>
+        </p:pic>
+      </p:grpSp>
+    </p:spTree>
+    <p:extLst>
+      <p:ext uri="{BB962C8B-B14F-4D97-AF65-F5344CB8AC3E}">
+        <p14:creationId xmlns:p14="http://schemas.microsoft.com/office/powerpoint/2010/main" val="3528923991"/>
+      </p:ext>
+    </p:extLst>
+  </p:cSld>
+  <p:clrMapOvr>
+    <a:masterClrMapping/>
+  </p:clrMapOvr>
+  <mc:AlternateContent xmlns:mc="http://schemas.openxmlformats.org/markup-compatibility/2006" xmlns:p159="http://schemas.microsoft.com/office/powerpoint/2015/09/main">
+    <mc:Choice Requires="p159">
+      <p:transition xmlns:p14="http://schemas.microsoft.com/office/powerpoint/2010/main" spd="slow" p14:dur="2000">
+        <p159:morph option="byObject"/>
+      </p:transition>
+    </mc:Choice>
+    <mc:Fallback xmlns="">
+      <p:transition spd="slow">
+        <p:fade/>
+      </p:transition>
+    </mc:Fallback>
+  </mc:AlternateContent>
 </p:sld>
 </file>
 
